--- a/Netflix_au_service_du_printemps_2.0.pptx
+++ b/Netflix_au_service_du_printemps_2.0.pptx
@@ -4032,11 +4032,17 @@
           <p:cNvGraphicFramePr>
             <a:graphicFrameLocks noGrp="1"/>
           </p:cNvGraphicFramePr>
-          <p:nvPr/>
+          <p:nvPr>
+            <p:extLst>
+              <p:ext uri="{D42A27DB-BD31-4B8C-83A1-F6EECF244321}">
+                <p14:modId xmlns:p14="http://schemas.microsoft.com/office/powerpoint/2010/main" val="77809334"/>
+              </p:ext>
+            </p:extLst>
+          </p:nvPr>
         </p:nvGraphicFramePr>
         <p:xfrm>
-          <a:off x="0" y="2482053"/>
-          <a:ext cx="9143999" cy="3667760"/>
+          <a:off x="0" y="1585972"/>
+          <a:ext cx="9143999" cy="5308600"/>
         </p:xfrm>
         <a:graphic>
           <a:graphicData uri="http://schemas.openxmlformats.org/drawingml/2006/table">
@@ -4045,14 +4051,14 @@
                 <a:tableStyleId>{5C22544A-7EE6-4342-B048-85BDC9FD1C3A}</a:tableStyleId>
               </a:tblPr>
               <a:tblGrid>
-                <a:gridCol w="1544714">
+                <a:gridCol w="1367161">
                   <a:extLst>
                     <a:ext uri="{9D8B030D-6E8A-4147-A177-3AD203B41FA5}">
                       <a16:colId xmlns:a16="http://schemas.microsoft.com/office/drawing/2014/main" val="3456990153"/>
                     </a:ext>
                   </a:extLst>
                 </a:gridCol>
-                <a:gridCol w="3648722">
+                <a:gridCol w="3826275">
                   <a:extLst>
                     <a:ext uri="{9D8B030D-6E8A-4147-A177-3AD203B41FA5}">
                       <a16:colId xmlns:a16="http://schemas.microsoft.com/office/drawing/2014/main" val="1146391429"/>
@@ -4121,10 +4127,10 @@
                     <a:lstStyle/>
                     <a:p>
                       <a:r>
-                        <a:rPr lang="fr-CH" sz="1500" b="1" dirty="0"/>
+                        <a:rPr lang="fr-CH" sz="1300" b="1" dirty="0"/>
                         <a:t>Configuration</a:t>
                       </a:r>
-                      <a:endParaRPr lang="fr-FR" sz="1500" b="1" dirty="0"/>
+                      <a:endParaRPr lang="fr-FR" sz="1300" b="1" dirty="0"/>
                     </a:p>
                   </a:txBody>
                   <a:tcPr/>
@@ -4139,8 +4145,12 @@
                         <a:buChar char="•"/>
                       </a:pPr>
                       <a:r>
-                        <a:rPr lang="fr-CH" sz="1200" dirty="0"/>
-                        <a:t>Sur chaque composant </a:t>
+                        <a:rPr lang="fr-CH" sz="1200" b="0" dirty="0">
+                          <a:solidFill>
+                            <a:schemeClr val="tx1"/>
+                          </a:solidFill>
+                        </a:rPr>
+                        <a:t>Locale aux microservices services </a:t>
                       </a:r>
                       <a:r>
                         <a:rPr lang="fr-CH" sz="1200" b="1" dirty="0">
@@ -4170,8 +4180,12 @@
                         <a:defRPr/>
                       </a:pPr>
                       <a:r>
-                        <a:rPr lang="fr-FR" sz="1200" dirty="0"/>
-                        <a:t>Problèmes de duplication et de synchronisation </a:t>
+                        <a:rPr lang="fr-CH" sz="1200" b="0" dirty="0">
+                          <a:solidFill>
+                            <a:schemeClr val="tx1"/>
+                          </a:solidFill>
+                        </a:rPr>
+                        <a:t>Présence de données sensibles sur les serveurs </a:t>
                       </a:r>
                       <a:r>
                         <a:rPr lang="fr-CH" sz="1200" b="1" dirty="0">
@@ -4181,6 +4195,11 @@
                         </a:rPr>
                         <a:t>(-)</a:t>
                       </a:r>
+                      <a:endParaRPr lang="fr-CH" sz="1200" b="0" dirty="0">
+                        <a:solidFill>
+                          <a:schemeClr val="tx1"/>
+                        </a:solidFill>
+                      </a:endParaRPr>
                     </a:p>
                     <a:p>
                       <a:pPr marL="285750" marR="0" lvl="0" indent="-285750" algn="l" defTabSz="457200" rtl="0" eaLnBrk="1" fontAlgn="auto" latinLnBrk="0" hangingPunct="1">
@@ -4201,8 +4220,52 @@
                         <a:defRPr/>
                       </a:pPr>
                       <a:r>
-                        <a:rPr lang="fr-CH" sz="1200" dirty="0"/>
-                        <a:t>Nécessitant le déploiement et redémarrage des applications </a:t>
+                        <a:rPr lang="fr-FR" sz="1200" b="0" dirty="0">
+                          <a:solidFill>
+                            <a:schemeClr val="tx1"/>
+                          </a:solidFill>
+                        </a:rPr>
+                        <a:t>Problèmes de duplication et de synchronisation </a:t>
+                      </a:r>
+                      <a:r>
+                        <a:rPr lang="fr-CH" sz="1200" b="1" dirty="0">
+                          <a:solidFill>
+                            <a:srgbClr val="FF0000"/>
+                          </a:solidFill>
+                        </a:rPr>
+                        <a:t>(-)</a:t>
+                      </a:r>
+                      <a:endParaRPr lang="fr-CH" sz="1200" b="0" dirty="0">
+                        <a:solidFill>
+                          <a:schemeClr val="tx1"/>
+                        </a:solidFill>
+                      </a:endParaRPr>
+                    </a:p>
+                    <a:p>
+                      <a:pPr marL="285750" marR="0" lvl="0" indent="-285750" algn="l" defTabSz="457200" rtl="0" eaLnBrk="1" fontAlgn="auto" latinLnBrk="0" hangingPunct="1">
+                        <a:lnSpc>
+                          <a:spcPct val="100000"/>
+                        </a:lnSpc>
+                        <a:spcBef>
+                          <a:spcPts val="0"/>
+                        </a:spcBef>
+                        <a:spcAft>
+                          <a:spcPts val="0"/>
+                        </a:spcAft>
+                        <a:buClrTx/>
+                        <a:buSzTx/>
+                        <a:buFont typeface="Arial" panose="020B0604020202020204" pitchFamily="34" charset="0"/>
+                        <a:buChar char="•"/>
+                        <a:tabLst/>
+                        <a:defRPr/>
+                      </a:pPr>
+                      <a:r>
+                        <a:rPr lang="fr-CH" sz="1200" b="0" dirty="0">
+                          <a:solidFill>
+                            <a:schemeClr val="tx1"/>
+                          </a:solidFill>
+                        </a:rPr>
+                        <a:t>Difficile à gérer lorsque le nombre microservices augmente </a:t>
                       </a:r>
                       <a:r>
                         <a:rPr lang="fr-CH" sz="1200" b="1" dirty="0">
@@ -4239,37 +4302,29 @@
                         <a:defRPr/>
                       </a:pPr>
                       <a:r>
-                        <a:rPr lang="fr-FR" sz="1200" dirty="0"/>
-                        <a:t>Centralisation des configurations </a:t>
+                        <a:rPr lang="fr-FR" sz="1200" b="0" dirty="0">
+                          <a:solidFill>
+                            <a:schemeClr val="tx1"/>
+                          </a:solidFill>
+                        </a:rPr>
+                        <a:t>Centralisée, facilitant les mises à jour </a:t>
                       </a:r>
                       <a:r>
-                        <a:rPr lang="fr-CH" sz="1200" b="1" dirty="0">
+                        <a:rPr lang="fr-CH" sz="1200" b="1" kern="1200" dirty="0">
                           <a:solidFill>
                             <a:srgbClr val="00B050"/>
                           </a:solidFill>
+                          <a:latin typeface="+mn-lt"/>
+                          <a:ea typeface="+mn-ea"/>
+                          <a:cs typeface="+mn-cs"/>
                         </a:rPr>
                         <a:t>(+)</a:t>
                       </a:r>
-                      <a:endParaRPr lang="fr-FR" sz="1200" dirty="0"/>
-                    </a:p>
-                    <a:p>
-                      <a:pPr marL="285750" indent="-285750">
-                        <a:buFont typeface="Arial" panose="020B0604020202020204" pitchFamily="34" charset="0"/>
-                        <a:buChar char="•"/>
-                      </a:pPr>
-                      <a:r>
-                        <a:rPr lang="fr-FR" sz="1200" dirty="0"/>
-                        <a:t>Fusion des configuration communes aux services </a:t>
-                      </a:r>
-                      <a:r>
-                        <a:rPr lang="fr-CH" sz="1200" b="1" dirty="0">
-                          <a:solidFill>
-                            <a:srgbClr val="00B050"/>
-                          </a:solidFill>
-                        </a:rPr>
-                        <a:t>(+)</a:t>
-                      </a:r>
-                      <a:endParaRPr lang="fr-FR" sz="1200" dirty="0"/>
+                      <a:endParaRPr lang="fr-FR" sz="1200" b="0" dirty="0">
+                        <a:solidFill>
+                          <a:schemeClr val="tx1"/>
+                        </a:solidFill>
+                      </a:endParaRPr>
                     </a:p>
                     <a:p>
                       <a:pPr marL="285750" marR="0" lvl="0" indent="-285750" algn="l" defTabSz="457200" rtl="0" eaLnBrk="1" fontAlgn="auto" latinLnBrk="0" hangingPunct="1">
@@ -4290,18 +4345,132 @@
                         <a:defRPr/>
                       </a:pPr>
                       <a:r>
-                        <a:rPr lang="fr-FR" sz="1200" dirty="0"/>
-                        <a:t>Reconfiguration des applications en temps réel </a:t>
+                        <a:rPr lang="fr-FR" sz="1200" b="0" dirty="0">
+                          <a:solidFill>
+                            <a:schemeClr val="tx1"/>
+                          </a:solidFill>
+                        </a:rPr>
+                        <a:t>Fusion des configuration communes aux services </a:t>
                       </a:r>
                       <a:r>
-                        <a:rPr lang="fr-CH" sz="1200" b="1" dirty="0">
+                        <a:rPr lang="fr-CH" sz="1200" b="1" kern="1200" dirty="0">
                           <a:solidFill>
                             <a:srgbClr val="00B050"/>
                           </a:solidFill>
+                          <a:latin typeface="+mn-lt"/>
+                          <a:ea typeface="+mn-ea"/>
+                          <a:cs typeface="+mn-cs"/>
                         </a:rPr>
                         <a:t>(+)</a:t>
                       </a:r>
-                      <a:endParaRPr lang="fr-FR" sz="1200" dirty="0"/>
+                      <a:endParaRPr lang="fr-FR" sz="1200" b="0" dirty="0">
+                        <a:solidFill>
+                          <a:schemeClr val="tx1"/>
+                        </a:solidFill>
+                      </a:endParaRPr>
+                    </a:p>
+                    <a:p>
+                      <a:pPr marL="285750" marR="0" lvl="0" indent="-285750" algn="l" defTabSz="457200" rtl="0" eaLnBrk="1" fontAlgn="auto" latinLnBrk="0" hangingPunct="1">
+                        <a:lnSpc>
+                          <a:spcPct val="100000"/>
+                        </a:lnSpc>
+                        <a:spcBef>
+                          <a:spcPts val="0"/>
+                        </a:spcBef>
+                        <a:spcAft>
+                          <a:spcPts val="0"/>
+                        </a:spcAft>
+                        <a:buClrTx/>
+                        <a:buSzTx/>
+                        <a:buFont typeface="Arial" panose="020B0604020202020204" pitchFamily="34" charset="0"/>
+                        <a:buChar char="•"/>
+                        <a:tabLst/>
+                        <a:defRPr/>
+                      </a:pPr>
+                      <a:r>
+                        <a:rPr lang="fr-FR" sz="1200" b="0" dirty="0">
+                          <a:solidFill>
+                            <a:schemeClr val="tx1"/>
+                          </a:solidFill>
+                        </a:rPr>
+                        <a:t>Prise en compte des changements en temps réel </a:t>
+                      </a:r>
+                      <a:r>
+                        <a:rPr lang="fr-CH" sz="1200" b="1" kern="1200" dirty="0">
+                          <a:solidFill>
+                            <a:srgbClr val="00B050"/>
+                          </a:solidFill>
+                          <a:latin typeface="+mn-lt"/>
+                          <a:ea typeface="+mn-ea"/>
+                          <a:cs typeface="+mn-cs"/>
+                        </a:rPr>
+                        <a:t>(+)</a:t>
+                      </a:r>
+                    </a:p>
+                    <a:p>
+                      <a:pPr marL="285750" marR="0" lvl="0" indent="-285750" algn="l" defTabSz="457200" rtl="0" eaLnBrk="1" fontAlgn="auto" latinLnBrk="0" hangingPunct="1">
+                        <a:lnSpc>
+                          <a:spcPct val="100000"/>
+                        </a:lnSpc>
+                        <a:spcBef>
+                          <a:spcPts val="0"/>
+                        </a:spcBef>
+                        <a:spcAft>
+                          <a:spcPts val="0"/>
+                        </a:spcAft>
+                        <a:buClrTx/>
+                        <a:buSzTx/>
+                        <a:buFont typeface="Arial" panose="020B0604020202020204" pitchFamily="34" charset="0"/>
+                        <a:buChar char="•"/>
+                        <a:tabLst/>
+                        <a:defRPr/>
+                      </a:pPr>
+                      <a:r>
+                        <a:rPr lang="fr-FR" sz="1200" b="0" dirty="0">
+                          <a:solidFill>
+                            <a:schemeClr val="tx1"/>
+                          </a:solidFill>
+                        </a:rPr>
+                        <a:t>Stockage des données sensibles dans des dépôts sécurisés ( Ex : Vault ) </a:t>
+                      </a:r>
+                      <a:r>
+                        <a:rPr lang="fr-CH" sz="1200" b="1" kern="1200" dirty="0">
+                          <a:solidFill>
+                            <a:srgbClr val="00B050"/>
+                          </a:solidFill>
+                          <a:latin typeface="+mn-lt"/>
+                          <a:ea typeface="+mn-ea"/>
+                          <a:cs typeface="+mn-cs"/>
+                        </a:rPr>
+                        <a:t>(+)</a:t>
+                      </a:r>
+                    </a:p>
+                    <a:p>
+                      <a:pPr marL="285750" marR="0" lvl="0" indent="-285750" algn="l" defTabSz="457200" rtl="0" eaLnBrk="1" fontAlgn="auto" latinLnBrk="0" hangingPunct="1">
+                        <a:lnSpc>
+                          <a:spcPct val="100000"/>
+                        </a:lnSpc>
+                        <a:spcBef>
+                          <a:spcPts val="0"/>
+                        </a:spcBef>
+                        <a:spcAft>
+                          <a:spcPts val="0"/>
+                        </a:spcAft>
+                        <a:buClrTx/>
+                        <a:buSzTx/>
+                        <a:buFont typeface="Arial" panose="020B0604020202020204" pitchFamily="34" charset="0"/>
+                        <a:buChar char="•"/>
+                        <a:tabLst/>
+                        <a:defRPr/>
+                      </a:pPr>
+                      <a:endParaRPr lang="fr-CH" sz="1200" b="1" kern="1200" dirty="0">
+                        <a:solidFill>
+                          <a:srgbClr val="00B050"/>
+                        </a:solidFill>
+                        <a:latin typeface="+mn-lt"/>
+                        <a:ea typeface="+mn-ea"/>
+                        <a:cs typeface="+mn-cs"/>
+                      </a:endParaRPr>
                     </a:p>
                   </a:txBody>
                   <a:tcPr/>
@@ -4319,7 +4488,7 @@
                     <a:lstStyle/>
                     <a:p>
                       <a:r>
-                        <a:rPr lang="fr-CH" sz="1500" b="1" kern="1200" dirty="0">
+                        <a:rPr lang="fr-CH" sz="1300" b="1" kern="1200" dirty="0">
                           <a:solidFill>
                             <a:schemeClr val="dk1"/>
                           </a:solidFill>
@@ -4329,7 +4498,7 @@
                         </a:rPr>
                         <a:t>Enregistrement</a:t>
                       </a:r>
-                      <a:endParaRPr lang="fr-FR" sz="1500" b="1" kern="1200" dirty="0">
+                      <a:endParaRPr lang="fr-FR" sz="1300" b="1" kern="1200" dirty="0">
                         <a:solidFill>
                           <a:schemeClr val="dk1"/>
                         </a:solidFill>
@@ -4364,7 +4533,11 @@
                         <a:defRPr/>
                       </a:pPr>
                       <a:r>
-                        <a:rPr lang="fr-FR" sz="1200" dirty="0"/>
+                        <a:rPr lang="fr-FR" sz="1200" b="0" dirty="0">
+                          <a:solidFill>
+                            <a:schemeClr val="tx1"/>
+                          </a:solidFill>
+                        </a:rPr>
                         <a:t>Gestion manuelle des changements d’adresses </a:t>
                       </a:r>
                       <a:r>
@@ -4375,7 +4548,11 @@
                         </a:rPr>
                         <a:t>(-)</a:t>
                       </a:r>
-                      <a:endParaRPr lang="fr-CH" sz="1200" dirty="0"/>
+                      <a:endParaRPr lang="fr-CH" sz="1200" b="0" dirty="0">
+                        <a:solidFill>
+                          <a:schemeClr val="tx1"/>
+                        </a:solidFill>
+                      </a:endParaRPr>
                     </a:p>
                     <a:p>
                       <a:pPr marL="285750" marR="0" lvl="0" indent="-285750" algn="l" defTabSz="457200" rtl="0" eaLnBrk="1" fontAlgn="auto" latinLnBrk="0" hangingPunct="1">
@@ -4396,12 +4573,12 @@
                         <a:defRPr/>
                       </a:pPr>
                       <a:r>
-                        <a:rPr lang="fr-CH" sz="1200" dirty="0"/>
+                        <a:rPr lang="fr-CH" sz="1200" b="0" dirty="0">
+                          <a:solidFill>
+                            <a:schemeClr val="tx1"/>
+                          </a:solidFill>
+                        </a:rPr>
                         <a:t>URL fixes et codées en dur </a:t>
-                      </a:r>
-                      <a:r>
-                        <a:rPr lang="fr-FR" sz="1200" dirty="0"/>
-                        <a:t>pour la communication entre services </a:t>
                       </a:r>
                       <a:r>
                         <a:rPr lang="fr-CH" sz="1200" b="1" dirty="0">
@@ -4438,64 +4615,142 @@
                         <a:defRPr/>
                       </a:pPr>
                       <a:r>
-                        <a:rPr lang="fr-FR" sz="1200" dirty="0"/>
-                        <a:t>Automatique via Eureka (Service Discovery) </a:t>
+                        <a:rPr lang="fr-FR" sz="1200" b="0" dirty="0">
+                          <a:solidFill>
+                            <a:schemeClr val="tx1"/>
+                          </a:solidFill>
+                        </a:rPr>
+                        <a:t>Automatique via grâce au service </a:t>
                       </a:r>
                       <a:r>
-                        <a:rPr lang="fr-CH" sz="1200" b="1" dirty="0">
+                        <a:rPr lang="fr-FR" sz="1200" b="0" dirty="0" err="1">
+                          <a:solidFill>
+                            <a:schemeClr val="tx1"/>
+                          </a:solidFill>
+                        </a:rPr>
+                        <a:t>discovery</a:t>
+                      </a:r>
+                      <a:r>
+                        <a:rPr lang="fr-FR" sz="1200" b="0" dirty="0">
+                          <a:solidFill>
+                            <a:schemeClr val="tx1"/>
+                          </a:solidFill>
+                        </a:rPr>
+                        <a:t> </a:t>
+                      </a:r>
+                      <a:r>
+                        <a:rPr lang="fr-CH" sz="1200" b="1" kern="1200" dirty="0">
                           <a:solidFill>
                             <a:srgbClr val="00B050"/>
                           </a:solidFill>
+                          <a:latin typeface="+mn-lt"/>
+                          <a:ea typeface="+mn-ea"/>
+                          <a:cs typeface="+mn-cs"/>
                         </a:rPr>
                         <a:t>(+)</a:t>
                       </a:r>
-                      <a:endParaRPr lang="fr-FR" sz="1200" dirty="0"/>
+                      <a:endParaRPr lang="fr-FR" sz="1200" b="0" dirty="0">
+                        <a:solidFill>
+                          <a:schemeClr val="tx1"/>
+                        </a:solidFill>
+                      </a:endParaRPr>
                     </a:p>
                     <a:p>
-                      <a:pPr marL="285750" indent="-285750">
+                      <a:pPr marL="285750" marR="0" lvl="0" indent="-285750" algn="l" defTabSz="457200" rtl="0" eaLnBrk="1" fontAlgn="auto" latinLnBrk="0" hangingPunct="1">
+                        <a:lnSpc>
+                          <a:spcPct val="100000"/>
+                        </a:lnSpc>
+                        <a:spcBef>
+                          <a:spcPts val="0"/>
+                        </a:spcBef>
+                        <a:spcAft>
+                          <a:spcPts val="0"/>
+                        </a:spcAft>
+                        <a:buClrTx/>
+                        <a:buSzTx/>
                         <a:buFont typeface="Arial" panose="020B0604020202020204" pitchFamily="34" charset="0"/>
                         <a:buChar char="•"/>
+                        <a:tabLst/>
+                        <a:defRPr/>
                       </a:pPr>
                       <a:r>
-                        <a:rPr lang="fr-FR" sz="1200" dirty="0"/>
+                        <a:rPr lang="fr-FR" sz="1200" b="0" dirty="0">
+                          <a:solidFill>
+                            <a:schemeClr val="tx1"/>
+                          </a:solidFill>
+                        </a:rPr>
                         <a:t>Seul le </a:t>
                       </a:r>
                       <a:r>
-                        <a:rPr lang="fr-FR" sz="1200" dirty="0" err="1"/>
+                        <a:rPr lang="fr-FR" sz="1200" b="0" dirty="0" err="1">
+                          <a:solidFill>
+                            <a:schemeClr val="tx1"/>
+                          </a:solidFill>
+                        </a:rPr>
                         <a:t>discovery</a:t>
                       </a:r>
                       <a:r>
-                        <a:rPr lang="fr-FR" sz="1200" dirty="0"/>
+                        <a:rPr lang="fr-FR" sz="1200" b="0" dirty="0">
+                          <a:solidFill>
+                            <a:schemeClr val="tx1"/>
+                          </a:solidFill>
+                        </a:rPr>
                         <a:t> connait l’adresse des services </a:t>
                       </a:r>
                       <a:r>
-                        <a:rPr lang="fr-CH" sz="1200" b="1" dirty="0">
+                        <a:rPr lang="fr-CH" sz="1200" b="1" kern="1200" dirty="0">
                           <a:solidFill>
                             <a:srgbClr val="00B050"/>
                           </a:solidFill>
+                          <a:latin typeface="+mn-lt"/>
+                          <a:ea typeface="+mn-ea"/>
+                          <a:cs typeface="+mn-cs"/>
                         </a:rPr>
                         <a:t>(+)</a:t>
                       </a:r>
-                      <a:endParaRPr lang="fr-FR" sz="1200" dirty="0"/>
+                      <a:endParaRPr lang="fr-FR" sz="1200" b="0" dirty="0">
+                        <a:solidFill>
+                          <a:schemeClr val="tx1"/>
+                        </a:solidFill>
+                      </a:endParaRPr>
                     </a:p>
                     <a:p>
-                      <a:pPr marL="285750" indent="-285750">
+                      <a:pPr marL="285750" marR="0" lvl="0" indent="-285750" algn="l" defTabSz="457200" rtl="0" eaLnBrk="1" fontAlgn="auto" latinLnBrk="0" hangingPunct="1">
+                        <a:lnSpc>
+                          <a:spcPct val="100000"/>
+                        </a:lnSpc>
+                        <a:spcBef>
+                          <a:spcPts val="0"/>
+                        </a:spcBef>
+                        <a:spcAft>
+                          <a:spcPts val="0"/>
+                        </a:spcAft>
+                        <a:buClrTx/>
+                        <a:buSzTx/>
                         <a:buFont typeface="Arial" panose="020B0604020202020204" pitchFamily="34" charset="0"/>
                         <a:buChar char="•"/>
+                        <a:tabLst/>
+                        <a:defRPr/>
                       </a:pPr>
                       <a:r>
-                        <a:rPr lang="fr-FR" sz="1200" dirty="0"/>
+                        <a:rPr lang="fr-FR" sz="1200" b="0" dirty="0">
+                          <a:solidFill>
+                            <a:schemeClr val="tx1"/>
+                          </a:solidFill>
+                        </a:rPr>
                         <a:t>URL dynamiques </a:t>
                       </a:r>
                       <a:r>
-                        <a:rPr lang="fr-CH" sz="1200" b="1" dirty="0">
+                        <a:rPr lang="fr-CH" sz="1200" b="1" kern="1200" dirty="0">
                           <a:solidFill>
                             <a:srgbClr val="00B050"/>
                           </a:solidFill>
+                          <a:latin typeface="+mn-lt"/>
+                          <a:ea typeface="+mn-ea"/>
+                          <a:cs typeface="+mn-cs"/>
                         </a:rPr>
                         <a:t>(+)</a:t>
                       </a:r>
-                      <a:endParaRPr lang="fr-FR" sz="1200" dirty="0"/>
                     </a:p>
                   </a:txBody>
                   <a:tcPr/>
@@ -4513,7 +4768,7 @@
                     <a:lstStyle/>
                     <a:p>
                       <a:r>
-                        <a:rPr lang="fr-FR" sz="1500" b="1" kern="1200" dirty="0">
+                        <a:rPr lang="fr-FR" sz="1300" b="1" kern="1200" dirty="0">
                           <a:solidFill>
                             <a:schemeClr val="dk1"/>
                           </a:solidFill>
@@ -4550,8 +4805,12 @@
                         <a:defRPr/>
                       </a:pPr>
                       <a:r>
-                        <a:rPr lang="fr-FR" sz="1200" dirty="0"/>
-                        <a:t>API exposées directement </a:t>
+                        <a:rPr lang="fr-FR" sz="1200" b="0" dirty="0">
+                          <a:solidFill>
+                            <a:schemeClr val="tx1"/>
+                          </a:solidFill>
+                        </a:rPr>
+                        <a:t>Services exposés directement </a:t>
                       </a:r>
                       <a:r>
                         <a:rPr lang="fr-CH" sz="1200" b="1" dirty="0">
@@ -4561,7 +4820,81 @@
                         </a:rPr>
                         <a:t>(-)</a:t>
                       </a:r>
-                      <a:endParaRPr lang="fr-FR" sz="1200" dirty="0"/>
+                    </a:p>
+                    <a:p>
+                      <a:pPr marL="285750" marR="0" lvl="0" indent="-285750" algn="l" defTabSz="457200" rtl="0" eaLnBrk="1" fontAlgn="auto" latinLnBrk="0" hangingPunct="1">
+                        <a:lnSpc>
+                          <a:spcPct val="100000"/>
+                        </a:lnSpc>
+                        <a:spcBef>
+                          <a:spcPts val="0"/>
+                        </a:spcBef>
+                        <a:spcAft>
+                          <a:spcPts val="0"/>
+                        </a:spcAft>
+                        <a:buClrTx/>
+                        <a:buSzTx/>
+                        <a:buFont typeface="Arial" panose="020B0604020202020204" pitchFamily="34" charset="0"/>
+                        <a:buChar char="•"/>
+                        <a:tabLst/>
+                        <a:defRPr/>
+                      </a:pPr>
+                      <a:r>
+                        <a:rPr lang="fr-CH" sz="1200" b="0" dirty="0">
+                          <a:solidFill>
+                            <a:schemeClr val="tx1"/>
+                          </a:solidFill>
+                        </a:rPr>
+                        <a:t>Protocol de sécurité pas toujours compatible </a:t>
+                      </a:r>
+                      <a:r>
+                        <a:rPr lang="fr-CH" sz="1200" b="1" dirty="0">
+                          <a:solidFill>
+                            <a:srgbClr val="FF0000"/>
+                          </a:solidFill>
+                        </a:rPr>
+                        <a:t>(-)</a:t>
+                      </a:r>
+                      <a:endParaRPr lang="fr-CH" sz="1200" b="0" dirty="0">
+                        <a:solidFill>
+                          <a:schemeClr val="tx1"/>
+                        </a:solidFill>
+                      </a:endParaRPr>
+                    </a:p>
+                    <a:p>
+                      <a:pPr marL="285750" marR="0" lvl="0" indent="-285750" algn="l" defTabSz="457200" rtl="0" eaLnBrk="1" fontAlgn="auto" latinLnBrk="0" hangingPunct="1">
+                        <a:lnSpc>
+                          <a:spcPct val="100000"/>
+                        </a:lnSpc>
+                        <a:spcBef>
+                          <a:spcPts val="0"/>
+                        </a:spcBef>
+                        <a:spcAft>
+                          <a:spcPts val="0"/>
+                        </a:spcAft>
+                        <a:buClrTx/>
+                        <a:buSzTx/>
+                        <a:buFont typeface="Arial" panose="020B0604020202020204" pitchFamily="34" charset="0"/>
+                        <a:buChar char="•"/>
+                        <a:tabLst/>
+                        <a:defRPr/>
+                      </a:pPr>
+                      <a:r>
+                        <a:rPr lang="fr-CH" sz="1200" b="0" dirty="0">
+                          <a:solidFill>
+                            <a:schemeClr val="tx1"/>
+                          </a:solidFill>
+                        </a:rPr>
+                        <a:t>Pas de mécanisme de routage ou gestion du trafic </a:t>
+                      </a:r>
+                      <a:r>
+                        <a:rPr lang="fr-CH" sz="1200" b="1" dirty="0">
+                          <a:solidFill>
+                            <a:srgbClr val="FF0000"/>
+                          </a:solidFill>
+                        </a:rPr>
+                        <a:t>(-)</a:t>
+                      </a:r>
                     </a:p>
                   </a:txBody>
                   <a:tcPr/>
@@ -4589,18 +4922,48 @@
                         <a:defRPr/>
                       </a:pPr>
                       <a:r>
-                        <a:rPr lang="fr-FR" sz="1200" dirty="0"/>
-                        <a:t>API centralisée, facilitant le routage, la sécurité, et l'équilibrage de charge </a:t>
+                        <a:rPr lang="fr-FR" sz="1200" b="0" dirty="0">
+                          <a:solidFill>
+                            <a:schemeClr val="tx1"/>
+                          </a:solidFill>
+                        </a:rPr>
+                        <a:t>API centralisée, facilitant le routage, le filtrage,  la sécurité, et l'équilibrage de charge </a:t>
                       </a:r>
                       <a:r>
-                        <a:rPr lang="fr-CH" sz="1200" b="1" dirty="0">
+                        <a:rPr lang="fr-CH" sz="1200" b="1" kern="1200" dirty="0">
                           <a:solidFill>
                             <a:srgbClr val="00B050"/>
                           </a:solidFill>
+                          <a:latin typeface="+mn-lt"/>
+                          <a:ea typeface="+mn-ea"/>
+                          <a:cs typeface="+mn-cs"/>
                         </a:rPr>
                         <a:t>(+)</a:t>
                       </a:r>
-                      <a:endParaRPr lang="fr-FR" sz="1200" dirty="0"/>
+                    </a:p>
+                    <a:p>
+                      <a:pPr marL="285750" marR="0" lvl="0" indent="-285750" algn="l" defTabSz="457200" rtl="0" eaLnBrk="1" fontAlgn="auto" latinLnBrk="0" hangingPunct="1">
+                        <a:lnSpc>
+                          <a:spcPct val="100000"/>
+                        </a:lnSpc>
+                        <a:spcBef>
+                          <a:spcPts val="0"/>
+                        </a:spcBef>
+                        <a:spcAft>
+                          <a:spcPts val="0"/>
+                        </a:spcAft>
+                        <a:buClrTx/>
+                        <a:buSzTx/>
+                        <a:buFont typeface="Arial" panose="020B0604020202020204" pitchFamily="34" charset="0"/>
+                        <a:buChar char="•"/>
+                        <a:tabLst/>
+                        <a:defRPr/>
+                      </a:pPr>
+                      <a:endParaRPr lang="fr-FR" sz="1200" b="0" dirty="0">
+                        <a:solidFill>
+                          <a:schemeClr val="tx1"/>
+                        </a:solidFill>
+                      </a:endParaRPr>
                     </a:p>
                   </a:txBody>
                   <a:tcPr/>
@@ -4618,10 +4981,17 @@
                     <a:lstStyle/>
                     <a:p>
                       <a:r>
-                        <a:rPr lang="fr-CH" sz="1500" b="1" dirty="0"/>
-                        <a:t>Résilience</a:t>
+                        <a:rPr lang="fr-CH" sz="1300" b="1" kern="1200" dirty="0">
+                          <a:solidFill>
+                            <a:schemeClr val="dk1"/>
+                          </a:solidFill>
+                          <a:latin typeface="+mn-lt"/>
+                          <a:ea typeface="+mn-ea"/>
+                          <a:cs typeface="+mn-cs"/>
+                        </a:rPr>
+                        <a:t>Déploiement</a:t>
                       </a:r>
-                      <a:endParaRPr lang="fr-FR" sz="1500" b="1" kern="1200" dirty="0">
+                      <a:endParaRPr lang="fr-FR" sz="1300" b="1" kern="1200" dirty="0">
                         <a:solidFill>
                           <a:schemeClr val="dk1"/>
                         </a:solidFill>
@@ -4656,15 +5026,15 @@
                         <a:defRPr/>
                       </a:pPr>
                       <a:r>
-                        <a:rPr lang="fr-CH" sz="1200" kern="1200" dirty="0">
+                        <a:rPr lang="fr-CH" sz="1200" b="0" kern="1200" dirty="0">
                           <a:solidFill>
-                            <a:schemeClr val="dk1"/>
+                            <a:schemeClr val="tx1"/>
                           </a:solidFill>
                           <a:latin typeface="+mn-lt"/>
                           <a:ea typeface="+mn-ea"/>
                           <a:cs typeface="+mn-cs"/>
                         </a:rPr>
-                        <a:t>Indisponibilité lors des bascules ou  </a:t>
+                        <a:t>Nécessitant le déploiement et redémarrage des applications à chaque changement de la configuration </a:t>
                       </a:r>
                       <a:r>
                         <a:rPr lang="fr-CH" sz="1200" b="1" dirty="0">
@@ -4674,9 +5044,200 @@
                         </a:rPr>
                         <a:t>(-)</a:t>
                       </a:r>
-                      <a:endParaRPr lang="fr-FR" sz="1200" b="1" kern="1200" dirty="0">
+                      <a:endParaRPr lang="fr-CH" sz="1200" b="0" kern="1200" dirty="0">
                         <a:solidFill>
-                          <a:srgbClr val="FF0000"/>
+                          <a:schemeClr val="tx1"/>
+                        </a:solidFill>
+                        <a:latin typeface="+mn-lt"/>
+                        <a:ea typeface="+mn-ea"/>
+                        <a:cs typeface="+mn-cs"/>
+                      </a:endParaRPr>
+                    </a:p>
+                  </a:txBody>
+                  <a:tcPr/>
+                </a:tc>
+                <a:tc>
+                  <a:txBody>
+                    <a:bodyPr/>
+                    <a:lstStyle/>
+                    <a:p>
+                      <a:pPr marL="285750" marR="0" lvl="0" indent="-285750" algn="l" defTabSz="457200" rtl="0" eaLnBrk="1" fontAlgn="auto" latinLnBrk="0" hangingPunct="1">
+                        <a:lnSpc>
+                          <a:spcPct val="100000"/>
+                        </a:lnSpc>
+                        <a:spcBef>
+                          <a:spcPts val="0"/>
+                        </a:spcBef>
+                        <a:spcAft>
+                          <a:spcPts val="0"/>
+                        </a:spcAft>
+                        <a:buClrTx/>
+                        <a:buSzTx/>
+                        <a:buFont typeface="Arial" panose="020B0604020202020204" pitchFamily="34" charset="0"/>
+                        <a:buChar char="•"/>
+                        <a:tabLst/>
+                        <a:defRPr/>
+                      </a:pPr>
+                      <a:r>
+                        <a:rPr lang="fr-CH" sz="1200" b="0" dirty="0">
+                          <a:solidFill>
+                            <a:schemeClr val="tx1"/>
+                          </a:solidFill>
+                        </a:rPr>
+                        <a:t>Redéploiement lors des montées de version. Mais pas pour un changement de configuration </a:t>
+                      </a:r>
+                      <a:r>
+                        <a:rPr lang="fr-CH" sz="1200" b="1" kern="1200" dirty="0">
+                          <a:solidFill>
+                            <a:srgbClr val="00B050"/>
+                          </a:solidFill>
+                          <a:latin typeface="+mn-lt"/>
+                          <a:ea typeface="+mn-ea"/>
+                          <a:cs typeface="+mn-cs"/>
+                        </a:rPr>
+                        <a:t>(+)</a:t>
+                      </a:r>
+                      <a:endParaRPr lang="fr-CH" sz="1200" b="0" dirty="0">
+                        <a:solidFill>
+                          <a:schemeClr val="tx1"/>
+                        </a:solidFill>
+                      </a:endParaRPr>
+                    </a:p>
+                  </a:txBody>
+                  <a:tcPr/>
+                </a:tc>
+                <a:extLst>
+                  <a:ext uri="{0D108BD9-81ED-4DB2-BD59-A6C34878D82A}">
+                    <a16:rowId xmlns:a16="http://schemas.microsoft.com/office/drawing/2014/main" val="109456856"/>
+                  </a:ext>
+                </a:extLst>
+              </a:tr>
+              <a:tr h="370840">
+                <a:tc>
+                  <a:txBody>
+                    <a:bodyPr/>
+                    <a:lstStyle/>
+                    <a:p>
+                      <a:r>
+                        <a:rPr lang="fr-CH" sz="1300" b="1" dirty="0"/>
+                        <a:t>Résilience</a:t>
+                      </a:r>
+                      <a:endParaRPr lang="fr-FR" sz="1300" b="1" kern="1200" dirty="0">
+                        <a:solidFill>
+                          <a:schemeClr val="dk1"/>
+                        </a:solidFill>
+                        <a:latin typeface="+mn-lt"/>
+                        <a:ea typeface="+mn-ea"/>
+                        <a:cs typeface="+mn-cs"/>
+                      </a:endParaRPr>
+                    </a:p>
+                  </a:txBody>
+                  <a:tcPr/>
+                </a:tc>
+                <a:tc>
+                  <a:txBody>
+                    <a:bodyPr/>
+                    <a:lstStyle/>
+                    <a:p>
+                      <a:pPr marL="285750" marR="0" lvl="0" indent="-285750" algn="l" defTabSz="457200" rtl="0" eaLnBrk="1" fontAlgn="auto" latinLnBrk="0" hangingPunct="1">
+                        <a:lnSpc>
+                          <a:spcPct val="100000"/>
+                        </a:lnSpc>
+                        <a:spcBef>
+                          <a:spcPts val="0"/>
+                        </a:spcBef>
+                        <a:spcAft>
+                          <a:spcPts val="0"/>
+                        </a:spcAft>
+                        <a:buClrTx/>
+                        <a:buSzTx/>
+                        <a:buFont typeface="Arial" panose="020B0604020202020204" pitchFamily="34" charset="0"/>
+                        <a:buChar char="•"/>
+                        <a:tabLst/>
+                        <a:defRPr/>
+                      </a:pPr>
+                      <a:r>
+                        <a:rPr lang="fr-CH" sz="1200" b="0" kern="1200" dirty="0">
+                          <a:solidFill>
+                            <a:schemeClr val="tx1"/>
+                          </a:solidFill>
+                          <a:latin typeface="+mn-lt"/>
+                          <a:ea typeface="+mn-ea"/>
+                          <a:cs typeface="+mn-cs"/>
+                        </a:rPr>
+                        <a:t>Indisponibilité lors des bascules </a:t>
+                      </a:r>
+                      <a:r>
+                        <a:rPr lang="fr-CH" sz="1200" b="1" dirty="0">
+                          <a:solidFill>
+                            <a:srgbClr val="FF0000"/>
+                          </a:solidFill>
+                        </a:rPr>
+                        <a:t>(-)</a:t>
+                      </a:r>
+                    </a:p>
+                    <a:p>
+                      <a:pPr marL="285750" marR="0" lvl="0" indent="-285750" algn="l" defTabSz="457200" rtl="0" eaLnBrk="1" fontAlgn="auto" latinLnBrk="0" hangingPunct="1">
+                        <a:lnSpc>
+                          <a:spcPct val="100000"/>
+                        </a:lnSpc>
+                        <a:spcBef>
+                          <a:spcPts val="0"/>
+                        </a:spcBef>
+                        <a:spcAft>
+                          <a:spcPts val="0"/>
+                        </a:spcAft>
+                        <a:buClrTx/>
+                        <a:buSzTx/>
+                        <a:buFont typeface="Arial" panose="020B0604020202020204" pitchFamily="34" charset="0"/>
+                        <a:buChar char="•"/>
+                        <a:tabLst/>
+                        <a:defRPr/>
+                      </a:pPr>
+                      <a:r>
+                        <a:rPr lang="fr-CH" sz="1200" b="0" kern="1200" dirty="0">
+                          <a:solidFill>
+                            <a:schemeClr val="tx1"/>
+                          </a:solidFill>
+                          <a:latin typeface="+mn-lt"/>
+                          <a:ea typeface="+mn-ea"/>
+                          <a:cs typeface="+mn-cs"/>
+                        </a:rPr>
+                        <a:t>Autonomie des services </a:t>
+                      </a:r>
+                      <a:r>
+                        <a:rPr lang="fr-CH" sz="1200" b="1" kern="1200" dirty="0">
+                          <a:solidFill>
+                            <a:srgbClr val="00B050"/>
+                          </a:solidFill>
+                          <a:latin typeface="+mn-lt"/>
+                          <a:ea typeface="+mn-ea"/>
+                          <a:cs typeface="+mn-cs"/>
+                        </a:rPr>
+                        <a:t>(+)</a:t>
+                      </a:r>
+                    </a:p>
+                    <a:p>
+                      <a:pPr marL="0" marR="0" lvl="0" indent="0" algn="l" defTabSz="457200" rtl="0" eaLnBrk="1" fontAlgn="auto" latinLnBrk="0" hangingPunct="1">
+                        <a:lnSpc>
+                          <a:spcPct val="100000"/>
+                        </a:lnSpc>
+                        <a:spcBef>
+                          <a:spcPts val="0"/>
+                        </a:spcBef>
+                        <a:spcAft>
+                          <a:spcPts val="0"/>
+                        </a:spcAft>
+                        <a:buClrTx/>
+                        <a:buSzTx/>
+                        <a:buFont typeface="Arial" panose="020B0604020202020204" pitchFamily="34" charset="0"/>
+                        <a:buNone/>
+                        <a:tabLst/>
+                        <a:defRPr/>
+                      </a:pPr>
+                      <a:endParaRPr lang="fr-FR" sz="1200" b="0" kern="1200" dirty="0">
+                        <a:solidFill>
+                          <a:schemeClr val="tx1"/>
                         </a:solidFill>
                         <a:latin typeface="+mn-lt"/>
                         <a:ea typeface="+mn-ea"/>
@@ -4710,20 +5271,153 @@
                       </a:pPr>
                       <a:r>
                         <a:rPr lang="fr-FR" sz="1200" b="0" i="0" dirty="0">
+                          <a:solidFill>
+                            <a:schemeClr val="tx1"/>
+                          </a:solidFill>
                           <a:effectLst/>
                           <a:latin typeface="-apple-system"/>
                         </a:rPr>
                         <a:t>La bascule vers de nouveaux services en temps réel </a:t>
                       </a:r>
                       <a:r>
-                        <a:rPr lang="fr-CH" sz="1200" b="1" dirty="0">
+                        <a:rPr lang="fr-CH" sz="1200" b="1" kern="1200" dirty="0">
                           <a:solidFill>
                             <a:srgbClr val="00B050"/>
                           </a:solidFill>
+                          <a:latin typeface="+mn-lt"/>
+                          <a:ea typeface="+mn-ea"/>
+                          <a:cs typeface="+mn-cs"/>
                         </a:rPr>
                         <a:t>(+)</a:t>
                       </a:r>
-                      <a:endParaRPr lang="fr-FR" sz="1200" dirty="0"/>
+                      <a:endParaRPr lang="fr-CH" sz="1200" b="0" dirty="0">
+                        <a:solidFill>
+                          <a:schemeClr val="tx1"/>
+                        </a:solidFill>
+                      </a:endParaRPr>
+                    </a:p>
+                    <a:p>
+                      <a:pPr marL="285750" marR="0" lvl="0" indent="-285750" algn="l" defTabSz="457200" rtl="0" eaLnBrk="1" fontAlgn="auto" latinLnBrk="0" hangingPunct="1">
+                        <a:lnSpc>
+                          <a:spcPct val="100000"/>
+                        </a:lnSpc>
+                        <a:spcBef>
+                          <a:spcPts val="0"/>
+                        </a:spcBef>
+                        <a:spcAft>
+                          <a:spcPts val="0"/>
+                        </a:spcAft>
+                        <a:buClrTx/>
+                        <a:buSzTx/>
+                        <a:buFont typeface="Arial" panose="020B0604020202020204" pitchFamily="34" charset="0"/>
+                        <a:buChar char="•"/>
+                        <a:tabLst/>
+                        <a:defRPr/>
+                      </a:pPr>
+                      <a:r>
+                        <a:rPr lang="fr-CH" sz="1200" b="0" dirty="0">
+                          <a:solidFill>
+                            <a:schemeClr val="tx1"/>
+                          </a:solidFill>
+                        </a:rPr>
+                        <a:t>Plus de latence lors du démarrage des services </a:t>
+                      </a:r>
+                      <a:r>
+                        <a:rPr lang="fr-CH" sz="1200" b="1" dirty="0">
+                          <a:solidFill>
+                            <a:srgbClr val="FF0000"/>
+                          </a:solidFill>
+                        </a:rPr>
+                        <a:t>(-)</a:t>
+                      </a:r>
+                      <a:endParaRPr lang="fr-CH" sz="1200" b="0" dirty="0">
+                        <a:solidFill>
+                          <a:schemeClr val="tx1"/>
+                        </a:solidFill>
+                      </a:endParaRPr>
+                    </a:p>
+                    <a:p>
+                      <a:pPr marL="285750" marR="0" lvl="0" indent="-285750" algn="l" defTabSz="457200" rtl="0" eaLnBrk="1" fontAlgn="auto" latinLnBrk="0" hangingPunct="1">
+                        <a:lnSpc>
+                          <a:spcPct val="100000"/>
+                        </a:lnSpc>
+                        <a:spcBef>
+                          <a:spcPts val="0"/>
+                        </a:spcBef>
+                        <a:spcAft>
+                          <a:spcPts val="0"/>
+                        </a:spcAft>
+                        <a:buClrTx/>
+                        <a:buSzTx/>
+                        <a:buFont typeface="Arial" panose="020B0604020202020204" pitchFamily="34" charset="0"/>
+                        <a:buChar char="•"/>
+                        <a:tabLst/>
+                        <a:defRPr/>
+                      </a:pPr>
+                      <a:r>
+                        <a:rPr lang="fr-CH" sz="1200" b="0" dirty="0">
+                          <a:solidFill>
+                            <a:schemeClr val="tx1"/>
+                          </a:solidFill>
+                        </a:rPr>
+                        <a:t>Problèmes de latence réglé grâce à la programmation réactive et le broker de message </a:t>
+                      </a:r>
+                      <a:r>
+                        <a:rPr lang="fr-CH" sz="1200" b="1" kern="1200" dirty="0">
+                          <a:solidFill>
+                            <a:srgbClr val="00B050"/>
+                          </a:solidFill>
+                          <a:latin typeface="+mn-lt"/>
+                          <a:ea typeface="+mn-ea"/>
+                          <a:cs typeface="+mn-cs"/>
+                        </a:rPr>
+                        <a:t>(+)</a:t>
+                      </a:r>
+                      <a:endParaRPr lang="fr-CH" sz="1200" b="0" dirty="0">
+                        <a:solidFill>
+                          <a:schemeClr val="tx1"/>
+                        </a:solidFill>
+                      </a:endParaRPr>
+                    </a:p>
+                    <a:p>
+                      <a:pPr marL="285750" marR="0" lvl="0" indent="-285750" algn="l" defTabSz="457200" rtl="0" eaLnBrk="1" fontAlgn="auto" latinLnBrk="0" hangingPunct="1">
+                        <a:lnSpc>
+                          <a:spcPct val="100000"/>
+                        </a:lnSpc>
+                        <a:spcBef>
+                          <a:spcPts val="0"/>
+                        </a:spcBef>
+                        <a:spcAft>
+                          <a:spcPts val="0"/>
+                        </a:spcAft>
+                        <a:buClrTx/>
+                        <a:buSzTx/>
+                        <a:buFont typeface="Arial" panose="020B0604020202020204" pitchFamily="34" charset="0"/>
+                        <a:buChar char="•"/>
+                        <a:tabLst/>
+                        <a:defRPr/>
+                      </a:pPr>
+                      <a:r>
+                        <a:rPr lang="fr-CH" sz="1200" b="0" dirty="0">
+                          <a:solidFill>
+                            <a:schemeClr val="tx1"/>
+                          </a:solidFill>
+                        </a:rPr>
+                        <a:t>Dépendance sur des services externes ( Config, Discovery, Git ) </a:t>
+                      </a:r>
+                      <a:r>
+                        <a:rPr lang="fr-CH" sz="1200" b="1" dirty="0">
+                          <a:solidFill>
+                            <a:srgbClr val="FF0000"/>
+                          </a:solidFill>
+                        </a:rPr>
+                        <a:t>(-)</a:t>
+                      </a:r>
+                      <a:endParaRPr lang="fr-CH" sz="1200" b="0" dirty="0">
+                        <a:solidFill>
+                          <a:schemeClr val="tx1"/>
+                        </a:solidFill>
+                      </a:endParaRPr>
                     </a:p>
                   </a:txBody>
                   <a:tcPr/>
@@ -4741,10 +5435,17 @@
                     <a:lstStyle/>
                     <a:p>
                       <a:r>
-                        <a:rPr lang="fr-CH" sz="1500" b="1" dirty="0"/>
-                        <a:t>Déploiement</a:t>
+                        <a:rPr lang="fr-CH" sz="1300" b="1" kern="1200" dirty="0">
+                          <a:solidFill>
+                            <a:schemeClr val="dk1"/>
+                          </a:solidFill>
+                          <a:latin typeface="+mn-lt"/>
+                          <a:ea typeface="+mn-ea"/>
+                          <a:cs typeface="+mn-cs"/>
+                        </a:rPr>
+                        <a:t>Support</a:t>
                       </a:r>
-                      <a:endParaRPr lang="fr-FR" sz="1500" b="1" kern="1200" dirty="0">
+                      <a:endParaRPr lang="fr-FR" sz="1300" b="1" kern="1200" dirty="0">
                         <a:solidFill>
                           <a:schemeClr val="dk1"/>
                         </a:solidFill>
@@ -4754,11 +5455,7 @@
                       </a:endParaRPr>
                     </a:p>
                   </a:txBody>
-                  <a:tcPr>
-                    <a:solidFill>
-                      <a:srgbClr val="FFC000"/>
-                    </a:solidFill>
-                  </a:tcPr>
+                  <a:tcPr/>
                 </a:tc>
                 <a:tc>
                   <a:txBody>
@@ -4783,24 +5480,65 @@
                         <a:defRPr/>
                       </a:pPr>
                       <a:r>
-                        <a:rPr lang="fr-CH" sz="1200" dirty="0"/>
-                        <a:t>Nécessitant le déploiement et redémarrage des applications si modification de la configuration </a:t>
+                        <a:rPr lang="fr-CH" sz="1200" b="0" dirty="0">
+                          <a:solidFill>
+                            <a:schemeClr val="tx1"/>
+                          </a:solidFill>
+                        </a:rPr>
+                        <a:t>Moins de services à gérer, surveiller et à maintenir </a:t>
                       </a:r>
                       <a:r>
-                        <a:rPr lang="fr-CH" sz="1200" b="1" dirty="0">
+                        <a:rPr lang="fr-CH" sz="1200" b="1" kern="1200" dirty="0">
                           <a:solidFill>
-                            <a:srgbClr val="FF0000"/>
+                            <a:srgbClr val="00B050"/>
+                          </a:solidFill>
+                          <a:latin typeface="+mn-lt"/>
+                          <a:ea typeface="+mn-ea"/>
+                          <a:cs typeface="+mn-cs"/>
+                        </a:rPr>
+                        <a:t>(+)</a:t>
+                      </a:r>
+                    </a:p>
+                    <a:p>
+                      <a:pPr marL="285750" marR="0" lvl="0" indent="-285750" algn="l" defTabSz="457200" rtl="0" eaLnBrk="1" fontAlgn="auto" latinLnBrk="0" hangingPunct="1">
+                        <a:lnSpc>
+                          <a:spcPct val="100000"/>
+                        </a:lnSpc>
+                        <a:spcBef>
+                          <a:spcPts val="0"/>
+                        </a:spcBef>
+                        <a:spcAft>
+                          <a:spcPts val="0"/>
+                        </a:spcAft>
+                        <a:buClrTx/>
+                        <a:buSzTx/>
+                        <a:buFont typeface="Arial" panose="020B0604020202020204" pitchFamily="34" charset="0"/>
+                        <a:buChar char="•"/>
+                        <a:tabLst/>
+                        <a:defRPr/>
+                      </a:pPr>
+                      <a:r>
+                        <a:rPr lang="fr-CH" sz="1200" b="0" dirty="0">
+                          <a:solidFill>
+                            <a:schemeClr val="tx1"/>
                           </a:solidFill>
                         </a:rPr>
-                        <a:t>(-)</a:t>
+                        <a:t>Correction et débogage plus simple et facile </a:t>
+                      </a:r>
+                      <a:r>
+                        <a:rPr lang="fr-CH" sz="1200" b="1" kern="1200" dirty="0">
+                          <a:solidFill>
+                            <a:srgbClr val="00B050"/>
+                          </a:solidFill>
+                          <a:latin typeface="+mn-lt"/>
+                          <a:ea typeface="+mn-ea"/>
+                          <a:cs typeface="+mn-cs"/>
+                        </a:rPr>
+                        <a:t>(+)</a:t>
                       </a:r>
                     </a:p>
                   </a:txBody>
-                  <a:tcPr>
-                    <a:solidFill>
-                      <a:srgbClr val="FFC000"/>
-                    </a:solidFill>
-                  </a:tcPr>
+                  <a:tcPr/>
                 </a:tc>
                 <a:tc>
                   <a:txBody>
@@ -4825,18 +5563,26 @@
                         <a:defRPr/>
                       </a:pPr>
                       <a:r>
-                        <a:rPr lang="fr-CH" sz="1200" dirty="0"/>
-                        <a:t>Redéploiement lors des montées de version. Mais pas pour un changement de configuration </a:t>
+                        <a:rPr lang="fr-CH" sz="1200" b="0" dirty="0">
+                          <a:solidFill>
+                            <a:schemeClr val="tx1"/>
+                          </a:solidFill>
+                        </a:rPr>
+                        <a:t>Plus de services à gérer, surveiller et à maintenir </a:t>
                       </a:r>
                       <a:r>
                         <a:rPr lang="fr-CH" sz="1200" b="1" dirty="0">
                           <a:solidFill>
-                            <a:srgbClr val="00B050"/>
+                            <a:srgbClr val="FF0000"/>
                           </a:solidFill>
                         </a:rPr>
-                        <a:t>(+)</a:t>
+                        <a:t>(-)</a:t>
                       </a:r>
-                      <a:endParaRPr lang="fr-CH" sz="1200" dirty="0"/>
+                      <a:endParaRPr lang="fr-CH" sz="1200" b="0" dirty="0">
+                        <a:solidFill>
+                          <a:schemeClr val="tx1"/>
+                        </a:solidFill>
+                      </a:endParaRPr>
                     </a:p>
                     <a:p>
                       <a:pPr marL="285750" marR="0" lvl="0" indent="-285750" algn="l" defTabSz="457200" rtl="0" eaLnBrk="1" fontAlgn="auto" latinLnBrk="0" hangingPunct="1">
@@ -4856,18 +5602,11 @@
                         <a:tabLst/>
                         <a:defRPr/>
                       </a:pPr>
-                      <a:r>
-                        <a:rPr lang="fr-FR" sz="1200" dirty="0"/>
-                        <a:t>Une régression peut affecter une partie de la solution  </a:t>
-                      </a:r>
-                      <a:r>
-                        <a:rPr lang="fr-CH" sz="1200" b="1" dirty="0">
-                          <a:solidFill>
-                            <a:srgbClr val="00B050"/>
-                          </a:solidFill>
-                        </a:rPr>
-                        <a:t>(+)</a:t>
-                      </a:r>
+                      <a:endParaRPr lang="fr-FR" sz="1200" b="0" dirty="0">
+                        <a:solidFill>
+                          <a:schemeClr val="tx1"/>
+                        </a:solidFill>
+                      </a:endParaRPr>
                     </a:p>
                     <a:p>
                       <a:pPr marL="285750" marR="0" lvl="0" indent="-285750" algn="l" defTabSz="457200" rtl="0" eaLnBrk="1" fontAlgn="auto" latinLnBrk="0" hangingPunct="1">
@@ -4887,46 +5626,18 @@
                         <a:tabLst/>
                         <a:defRPr/>
                       </a:pPr>
-                      <a:r>
-                        <a:rPr lang="fr-CH" sz="1200" b="1" dirty="0" err="1">
-                          <a:solidFill>
-                            <a:srgbClr val="00B050"/>
-                          </a:solidFill>
-                        </a:rPr>
-                        <a:t>Accer</a:t>
-                      </a:r>
-                      <a:r>
-                        <a:rPr lang="fr-CH" sz="1200" b="1" dirty="0">
-                          <a:solidFill>
-                            <a:srgbClr val="00B050"/>
-                          </a:solidFill>
-                        </a:rPr>
-                        <a:t> sur l’axe live du </a:t>
-                      </a:r>
-                      <a:r>
-                        <a:rPr lang="fr-CH" sz="1200" b="1" dirty="0" err="1">
-                          <a:solidFill>
-                            <a:srgbClr val="00B050"/>
-                          </a:solidFill>
-                        </a:rPr>
-                        <a:t>deploy</a:t>
-                      </a:r>
-                      <a:endParaRPr lang="fr-CH" sz="1200" b="1" dirty="0">
+                      <a:endParaRPr lang="fr-FR" sz="1200" b="0" dirty="0">
                         <a:solidFill>
-                          <a:srgbClr val="FF0000"/>
+                          <a:schemeClr val="tx1"/>
                         </a:solidFill>
                       </a:endParaRPr>
                     </a:p>
                   </a:txBody>
-                  <a:tcPr>
-                    <a:solidFill>
-                      <a:srgbClr val="FFC000"/>
-                    </a:solidFill>
-                  </a:tcPr>
+                  <a:tcPr/>
                 </a:tc>
                 <a:extLst>
                   <a:ext uri="{0D108BD9-81ED-4DB2-BD59-A6C34878D82A}">
-                    <a16:rowId xmlns:a16="http://schemas.microsoft.com/office/drawing/2014/main" val="839048096"/>
+                    <a16:rowId xmlns:a16="http://schemas.microsoft.com/office/drawing/2014/main" val="3506724819"/>
                   </a:ext>
                 </a:extLst>
               </a:tr>
@@ -5075,7 +5786,7 @@
                 <a:effectLst/>
                 <a:latin typeface="-apple-system"/>
               </a:rPr>
-              <a:t>offre de nombreux avantages, tels que une scalabilité améliorée, l’indépendance des services, une meilleure tolérance aux pannes, une gestion simplifiée des configurations et les découvertes de services. </a:t>
+              <a:t>offre de nombreux avantages, tels qu’une scalabilité améliorée, l’indépendance des microservices entre eux, une meilleure tolérance aux pannes, une gestion simplifiée des configurations et les découvertes de services. </a:t>
             </a:r>
           </a:p>
           <a:p>
@@ -5102,7 +5813,7 @@
                 <a:effectLst/>
                 <a:latin typeface="-apple-system"/>
               </a:rPr>
-              <a:t>, facilite le développement, le déploiement et la gestion des microservices, permettant aux entreprises d’avoir des applications modernes, résilientes et évolutives.</a:t>
+              <a:t> facilite le développement, le déploiement et la gestion des microservices, permettant aux entreprises d’avoir des applications modernes, résilientes et évolutives.</a:t>
             </a:r>
             <a:r>
               <a:rPr lang="fr-FR" b="0" i="0" dirty="0">
@@ -5135,6 +5846,12 @@
                 <a:latin typeface="var(--artdeco-reset-typography-font-family-sans)"/>
               </a:rPr>
               <a:t>ready</a:t>
+            </a:r>
+            <a:r>
+              <a:rPr lang="fr-FR" dirty="0">
+                <a:latin typeface="var(--artdeco-reset-typography-font-family-sans)"/>
+              </a:rPr>
+              <a:t>.</a:t>
             </a:r>
             <a:endParaRPr dirty="0"/>
           </a:p>
@@ -5304,49 +6021,250 @@
         <p:spPr/>
         <p:txBody>
           <a:bodyPr>
-            <a:normAutofit/>
+            <a:normAutofit fontScale="92500" lnSpcReduction="10000"/>
           </a:bodyPr>
           <a:lstStyle/>
           <a:p>
             <a:endParaRPr dirty="0"/>
           </a:p>
           <a:p>
-            <a:r>
-              <a:rPr lang="fr-CH" dirty="0"/>
-              <a:t>Apport de la formation</a:t>
-            </a:r>
-          </a:p>
-          <a:p>
-            <a:r>
-              <a:rPr lang="fr-CH" dirty="0"/>
-              <a:t>Difficultés</a:t>
-            </a:r>
-          </a:p>
-          <a:p>
-            <a:r>
-              <a:rPr lang="fr-CH" dirty="0"/>
+            <a:pPr>
+              <a:buFont typeface="Wingdings" panose="05000000000000000000" pitchFamily="2" charset="2"/>
+              <a:buChar char="Ø"/>
+            </a:pPr>
+            <a:r>
+              <a:rPr lang="fr-CH" sz="1500" dirty="0">
+                <a:solidFill>
+                  <a:srgbClr val="92D050"/>
+                </a:solidFill>
+                <a:latin typeface="Montserrat ExtraBold" pitchFamily="50"/>
+              </a:rPr>
+              <a:t>Apport de la formation :</a:t>
+            </a:r>
+          </a:p>
+          <a:p>
+            <a:pPr lvl="1">
+              <a:buFont typeface="Courier New" panose="02070309020205020404" pitchFamily="49" charset="0"/>
+              <a:buChar char="o"/>
+            </a:pPr>
+            <a:r>
+              <a:rPr lang="fr-CH" sz="1000" dirty="0"/>
+              <a:t>Apprendre à développer une architecture à partir d’un besoin métier</a:t>
+            </a:r>
+          </a:p>
+          <a:p>
+            <a:pPr lvl="1">
+              <a:buFont typeface="Courier New" panose="02070309020205020404" pitchFamily="49" charset="0"/>
+              <a:buChar char="o"/>
+            </a:pPr>
+            <a:r>
+              <a:rPr lang="fr-CH" sz="1000" dirty="0"/>
+              <a:t>Apprendre à mettre des mots concrets sur des pratiques, concepts ou habitudes</a:t>
+            </a:r>
+          </a:p>
+          <a:p>
+            <a:pPr lvl="1">
+              <a:buFont typeface="Courier New" panose="02070309020205020404" pitchFamily="49" charset="0"/>
+              <a:buChar char="o"/>
+            </a:pPr>
+            <a:r>
+              <a:rPr lang="fr-CH" sz="1000" dirty="0"/>
+              <a:t>Rencontrer et collaborer avec des collègues d’autres agences Apside.</a:t>
+            </a:r>
+          </a:p>
+          <a:p>
+            <a:pPr lvl="1">
+              <a:buFont typeface="Courier New" panose="02070309020205020404" pitchFamily="49" charset="0"/>
+              <a:buChar char="o"/>
+            </a:pPr>
+            <a:r>
+              <a:rPr lang="fr-CH" sz="1000" dirty="0"/>
+              <a:t>Parcours adapté à chacun, selon son expérience, ses connaissances et ses attentes</a:t>
+            </a:r>
+          </a:p>
+          <a:p>
+            <a:pPr lvl="1">
+              <a:buFont typeface="Courier New" panose="02070309020205020404" pitchFamily="49" charset="0"/>
+              <a:buChar char="o"/>
+            </a:pPr>
+            <a:r>
+              <a:rPr lang="fr-CH" sz="1000" dirty="0"/>
+              <a:t>Aventure humaine, créant des relations, renforçant ainsi l’esprit du groupe Apside</a:t>
+            </a:r>
+          </a:p>
+          <a:p>
+            <a:pPr marL="457200" lvl="1" indent="0">
+              <a:buNone/>
+            </a:pPr>
+            <a:endParaRPr lang="fr-CH" sz="1000" dirty="0"/>
+          </a:p>
+          <a:p>
+            <a:pPr>
+              <a:buFont typeface="Wingdings" panose="05000000000000000000" pitchFamily="2" charset="2"/>
+              <a:buChar char="Ø"/>
+            </a:pPr>
+            <a:r>
+              <a:rPr lang="fr-CH" sz="1500" dirty="0">
+                <a:solidFill>
+                  <a:srgbClr val="92D050"/>
+                </a:solidFill>
+                <a:latin typeface="Montserrat ExtraBold" pitchFamily="50"/>
+              </a:rPr>
+              <a:t>Difficultés </a:t>
+            </a:r>
+          </a:p>
+          <a:p>
+            <a:pPr lvl="1">
+              <a:buFont typeface="Courier New" panose="02070309020205020404" pitchFamily="49" charset="0"/>
+              <a:buChar char="o"/>
+            </a:pPr>
+            <a:r>
+              <a:rPr lang="fr-CH" sz="1000" dirty="0"/>
+              <a:t>Trouver du temps entre nos responsabilités professionnelles et personnelles. </a:t>
+            </a:r>
+          </a:p>
+          <a:p>
+            <a:pPr marL="457200" lvl="1" indent="0">
+              <a:buNone/>
+            </a:pPr>
+            <a:r>
+              <a:rPr lang="fr-CH" sz="1000" dirty="0"/>
+              <a:t>            Particulièrement, lors des séances hebdomadaires et de travail en groupe.</a:t>
+            </a:r>
+          </a:p>
+          <a:p>
+            <a:pPr lvl="1">
+              <a:buFont typeface="Courier New" panose="02070309020205020404" pitchFamily="49" charset="0"/>
+              <a:buChar char="o"/>
+            </a:pPr>
+            <a:endParaRPr lang="fr-CH" sz="1000" dirty="0"/>
+          </a:p>
+          <a:p>
+            <a:pPr>
+              <a:buFont typeface="Wingdings" panose="05000000000000000000" pitchFamily="2" charset="2"/>
+              <a:buChar char="Ø"/>
+            </a:pPr>
+            <a:r>
+              <a:rPr lang="fr-CH" sz="1500" dirty="0">
+                <a:solidFill>
+                  <a:srgbClr val="92D050"/>
+                </a:solidFill>
+                <a:latin typeface="Montserrat ExtraBold" pitchFamily="50"/>
+              </a:rPr>
               <a:t>Temps forts</a:t>
             </a:r>
-            <a:endParaRPr dirty="0"/>
-          </a:p>
-          <a:p>
-            <a:r>
-              <a:rPr lang="fr-CH" dirty="0"/>
+          </a:p>
+          <a:p>
+            <a:pPr lvl="1">
+              <a:buFont typeface="Courier New" panose="02070309020205020404" pitchFamily="49" charset="0"/>
+              <a:buChar char="o"/>
+            </a:pPr>
+            <a:r>
+              <a:rPr lang="fr-CH" sz="1000" dirty="0"/>
+              <a:t>Journée d’introduction et de rencontre à Paris</a:t>
+            </a:r>
+          </a:p>
+          <a:p>
+            <a:pPr lvl="1">
+              <a:buFont typeface="Courier New" panose="02070309020205020404" pitchFamily="49" charset="0"/>
+              <a:buChar char="o"/>
+            </a:pPr>
+            <a:r>
+              <a:rPr lang="fr-CH" sz="1000" dirty="0"/>
+              <a:t>Chaque session était pour moi un moment d’apprentissage, de partage et l’occasion de sortir du cadre client</a:t>
+            </a:r>
+          </a:p>
+          <a:p>
+            <a:pPr lvl="1">
+              <a:buFont typeface="Courier New" panose="02070309020205020404" pitchFamily="49" charset="0"/>
+              <a:buChar char="o"/>
+            </a:pPr>
+            <a:r>
+              <a:rPr lang="fr-CH" sz="1000" dirty="0"/>
+              <a:t>Projet fil rouge avec une très bonne collaboration au sein de l’équipe </a:t>
+            </a:r>
+            <a:r>
+              <a:rPr lang="fr-CH" sz="1000" b="1" dirty="0">
+                <a:solidFill>
+                  <a:srgbClr val="00B050"/>
+                </a:solidFill>
+              </a:rPr>
+              <a:t>Verte</a:t>
+            </a:r>
+          </a:p>
+          <a:p>
+            <a:pPr marL="457200" lvl="1" indent="0">
+              <a:buNone/>
+            </a:pPr>
+            <a:endParaRPr sz="1000" b="1" dirty="0">
+              <a:solidFill>
+                <a:srgbClr val="00B050"/>
+              </a:solidFill>
+            </a:endParaRPr>
+          </a:p>
+          <a:p>
+            <a:pPr>
+              <a:buFont typeface="Wingdings" panose="05000000000000000000" pitchFamily="2" charset="2"/>
+              <a:buChar char="Ø"/>
+            </a:pPr>
+            <a:r>
+              <a:rPr lang="fr-CH" sz="1500" dirty="0">
+                <a:solidFill>
+                  <a:srgbClr val="92D050"/>
+                </a:solidFill>
+                <a:latin typeface="Montserrat ExtraBold" pitchFamily="50"/>
+              </a:rPr>
               <a:t>Remerciements : </a:t>
             </a:r>
-            <a:r>
-              <a:rPr lang="fr-CH" dirty="0" err="1"/>
-              <a:t>Chritophe</a:t>
-            </a:r>
-            <a:r>
-              <a:rPr lang="fr-CH" dirty="0"/>
-              <a:t>, Equipe verte, …</a:t>
-            </a:r>
-          </a:p>
-          <a:p>
-            <a:r>
-              <a:rPr lang="fr-CH" dirty="0"/>
-              <a:t>Notes: 	</a:t>
+          </a:p>
+          <a:p>
+            <a:pPr lvl="1">
+              <a:buFont typeface="Courier New" panose="02070309020205020404" pitchFamily="49" charset="0"/>
+              <a:buChar char="o"/>
+            </a:pPr>
+            <a:r>
+              <a:rPr lang="fr-CH" sz="1000" dirty="0"/>
+              <a:t>Apside Genève ( Aymeric, Stéphane et Jennifer ) pour m’avoir permis de suivre cette formation</a:t>
+            </a:r>
+          </a:p>
+          <a:p>
+            <a:pPr lvl="1">
+              <a:buFont typeface="Courier New" panose="02070309020205020404" pitchFamily="49" charset="0"/>
+              <a:buChar char="o"/>
+            </a:pPr>
+            <a:r>
+              <a:rPr lang="fr-CH" sz="1000" dirty="0"/>
+              <a:t>Apside pour la mise en place de cette formation</a:t>
+            </a:r>
+          </a:p>
+          <a:p>
+            <a:pPr lvl="1">
+              <a:buFont typeface="Courier New" panose="02070309020205020404" pitchFamily="49" charset="0"/>
+              <a:buChar char="o"/>
+            </a:pPr>
+            <a:r>
+              <a:rPr lang="fr-CH" sz="1000" dirty="0"/>
+              <a:t>Mes camarades de formation, avec qui j’ai passé d’excellents moments de partage</a:t>
+            </a:r>
+          </a:p>
+          <a:p>
+            <a:pPr lvl="1">
+              <a:buFont typeface="Courier New" panose="02070309020205020404" pitchFamily="49" charset="0"/>
+              <a:buChar char="o"/>
+            </a:pPr>
+            <a:r>
+              <a:rPr lang="fr-CH" sz="1000" dirty="0"/>
+              <a:t>Christophe CADET pour la qualité de sa formation, sa disponibilité, son ouverture d’esprit et sa confiance</a:t>
+            </a:r>
+          </a:p>
+          <a:p>
+            <a:pPr lvl="1">
+              <a:buFont typeface="Courier New" panose="02070309020205020404" pitchFamily="49" charset="0"/>
+              <a:buChar char="o"/>
+            </a:pPr>
+            <a:r>
+              <a:rPr lang="fr-CH" sz="1000" dirty="0"/>
+              <a:t>Zinedine ZIDANE parce qu'il le vaut bienn</a:t>
             </a:r>
           </a:p>
         </p:txBody>
@@ -5935,24 +6853,15 @@
                 </a:solidFill>
                 <a:latin typeface="Montserrat ExtraBold" pitchFamily="50"/>
               </a:rPr>
-              <a:t>Présentation générale des microservices actuels</a:t>
-            </a:r>
-          </a:p>
-          <a:p>
-            <a:pPr marL="0" indent="0">
-              <a:buFont typeface="Arial"/>
-              <a:buNone/>
-            </a:pPr>
-            <a:r>
-              <a:rPr lang="fr-FR" sz="1200" dirty="0">
-                <a:solidFill>
-                  <a:srgbClr val="464646"/>
-                </a:solidFill>
-                <a:latin typeface="Hind" pitchFamily="50"/>
-                <a:cs typeface="Hind" pitchFamily="50"/>
-              </a:rPr>
-              <a:t> </a:t>
-            </a:r>
+              <a:t>Présentation générale</a:t>
+            </a:r>
+            <a:endParaRPr lang="fr-FR" sz="1200" dirty="0">
+              <a:solidFill>
+                <a:srgbClr val="464646"/>
+              </a:solidFill>
+              <a:latin typeface="Hind" pitchFamily="50"/>
+              <a:cs typeface="Hind" pitchFamily="50"/>
+            </a:endParaRPr>
           </a:p>
         </p:txBody>
       </p:sp>
@@ -12778,7 +13687,12 @@
             <p:ph idx="1"/>
           </p:nvPr>
         </p:nvSpPr>
-        <p:spPr/>
+        <p:spPr>
+          <a:xfrm>
+            <a:off x="457200" y="1981940"/>
+            <a:ext cx="8229600" cy="4525963"/>
+          </a:xfrm>
+        </p:spPr>
         <p:txBody>
           <a:bodyPr>
             <a:normAutofit fontScale="32500" lnSpcReduction="20000"/>
@@ -12788,6 +13702,37 @@
             <a:endParaRPr lang="fr-CH" dirty="0"/>
           </a:p>
           <a:p>
+            <a:r>
+              <a:rPr lang="fr-FR" sz="4300" b="1" dirty="0">
+                <a:latin typeface="-apple-system"/>
+              </a:rPr>
+              <a:t>Spring Boot :  </a:t>
+            </a:r>
+          </a:p>
+          <a:p>
+            <a:pPr marL="0" indent="0">
+              <a:buNone/>
+            </a:pPr>
+            <a:r>
+              <a:rPr lang="fr-FR" sz="3200" dirty="0">
+                <a:latin typeface="-apple-system"/>
+              </a:rPr>
+              <a:t>	</a:t>
+            </a:r>
+            <a:r>
+              <a:rPr lang="fr-FR" sz="4300" dirty="0">
+                <a:latin typeface="-apple-system"/>
+              </a:rPr>
+              <a:t>Il est la base sur laquelle repose toute la solution, Il simplifie la création d'applications Java en éliminant 	la complexité de configuration. </a:t>
+            </a:r>
+          </a:p>
+          <a:p>
+            <a:pPr marL="0" indent="0">
+              <a:buNone/>
+            </a:pPr>
+            <a:endParaRPr lang="fr-CH" dirty="0"/>
+          </a:p>
+          <a:p>
             <a:pPr algn="l" fontAlgn="auto"/>
             <a:r>
               <a:rPr lang="fr-FR" sz="4300" b="1" i="0" dirty="0">
@@ -12838,53 +13783,7 @@
               </a:rPr>
               <a:t> où les défis tels que la gestion des configurations, la découverte des services et la tolérance aux pannes sont récurrents. </a:t>
             </a:r>
-          </a:p>
-          <a:p>
-            <a:pPr marL="0" indent="0">
-              <a:buNone/>
-            </a:pPr>
-            <a:r>
-              <a:rPr lang="fr-FR" sz="4300" b="0" i="0" dirty="0">
-                <a:effectLst/>
-                <a:latin typeface="-apple-system"/>
-              </a:rPr>
-              <a:t>	</a:t>
-            </a:r>
             <a:endParaRPr lang="fr-CH" sz="4300" dirty="0"/>
-          </a:p>
-          <a:p>
-            <a:r>
-              <a:rPr lang="fr-FR" sz="4300" b="1" i="0" dirty="0">
-                <a:effectLst/>
-                <a:latin typeface="-apple-system"/>
-              </a:rPr>
-              <a:t>Spring Boot</a:t>
-            </a:r>
-            <a:r>
-              <a:rPr lang="fr-FR" sz="4300" b="0" i="0" dirty="0">
-                <a:effectLst/>
-                <a:latin typeface="-apple-system"/>
-              </a:rPr>
-              <a:t> :  </a:t>
-            </a:r>
-          </a:p>
-          <a:p>
-            <a:pPr marL="0" indent="0">
-              <a:buNone/>
-            </a:pPr>
-            <a:r>
-              <a:rPr lang="fr-FR" sz="4300" dirty="0">
-                <a:latin typeface="-apple-system"/>
-              </a:rPr>
-              <a:t>	</a:t>
-            </a:r>
-            <a:r>
-              <a:rPr lang="fr-FR" sz="4300" b="0" i="0" dirty="0">
-                <a:effectLst/>
-                <a:latin typeface="-apple-system"/>
-              </a:rPr>
-              <a:t>Il est la base sur laquelle repose toute la solution, Il simplifie la création d'applications Java en 	éliminant 	la complexité de configuration. </a:t>
-            </a:r>
           </a:p>
           <a:p>
             <a:pPr marL="0" indent="0">
@@ -13740,10 +14639,10 @@
       </p:sp>
       <p:pic>
         <p:nvPicPr>
-          <p:cNvPr id="10" name="Image 9">
+          <p:cNvPr id="12" name="Image 11">
             <a:extLst>
               <a:ext uri="{FF2B5EF4-FFF2-40B4-BE49-F238E27FC236}">
-                <a16:creationId xmlns:a16="http://schemas.microsoft.com/office/drawing/2014/main" id="{E1CA94D8-585E-ADC7-17A6-D01CCFAD680D}"/>
+                <a16:creationId xmlns:a16="http://schemas.microsoft.com/office/drawing/2014/main" id="{CE03702F-E283-B9D8-3607-5227AE4DE0F8}"/>
               </a:ext>
             </a:extLst>
           </p:cNvPr>
@@ -13760,8 +14659,8 @@
         </p:blipFill>
         <p:spPr>
           <a:xfrm>
-            <a:off x="0" y="1600200"/>
-            <a:ext cx="9144000" cy="5305699"/>
+            <a:off x="0" y="1635794"/>
+            <a:ext cx="9144000" cy="5260844"/>
           </a:xfrm>
           <a:prstGeom prst="rect">
             <a:avLst/>
@@ -13949,7 +14848,7 @@
                 </a:solidFill>
                 <a:latin typeface="Montserrat ExtraBold" pitchFamily="50"/>
               </a:rPr>
-              <a:t> 2 : Update Conf</a:t>
+              <a:t> 2 : Mise à jour</a:t>
             </a:r>
             <a:endParaRPr lang="fr-FR" sz="3200" dirty="0">
               <a:solidFill>
@@ -14163,10 +15062,10 @@
       </p:sp>
       <p:pic>
         <p:nvPicPr>
-          <p:cNvPr id="5" name="Image 4">
+          <p:cNvPr id="11" name="Image 10">
             <a:extLst>
               <a:ext uri="{FF2B5EF4-FFF2-40B4-BE49-F238E27FC236}">
-                <a16:creationId xmlns:a16="http://schemas.microsoft.com/office/drawing/2014/main" id="{92BC5106-AE5D-F4C4-5184-41E0C8D24C68}"/>
+                <a16:creationId xmlns:a16="http://schemas.microsoft.com/office/drawing/2014/main" id="{93B80C9A-512B-1E23-9C4C-D7784240D8C6}"/>
               </a:ext>
             </a:extLst>
           </p:cNvPr>
@@ -14183,8 +15082,8 @@
         </p:blipFill>
         <p:spPr>
           <a:xfrm>
-            <a:off x="0" y="1576531"/>
-            <a:ext cx="9144000" cy="4600835"/>
+            <a:off x="0" y="1780814"/>
+            <a:ext cx="9144000" cy="4626467"/>
           </a:xfrm>
           <a:prstGeom prst="rect">
             <a:avLst/>
